--- a/Apresentação/ARIT-MAT.pptx
+++ b/Apresentação/ARIT-MAT.pptx
@@ -116,6 +116,11 @@
       </a:defRPr>
     </a:lvl9pPr>
   </p:defaultTextStyle>
+  <p:extLst>
+    <p:ext uri="{EFAFB233-063F-42B5-8137-9DF3F51BA10A}">
+      <p15:sldGuideLst xmlns:p15="http://schemas.microsoft.com/office/powerpoint/2012/main"/>
+    </p:ext>
+  </p:extLst>
 </p:presentation>
 </file>
 
@@ -540,11 +545,7 @@
             </a:r>
             <a:r>
               <a:rPr lang="pt-PT" baseline="0" dirty="0" smtClean="0"/>
-              <a:t> desenvolvimento de um assistente pedagógico</a:t>
-            </a:r>
-            <a:r>
-              <a:rPr lang="pt-PT" baseline="0" dirty="0" smtClean="0"/>
-              <a:t>, foi matemática, mais concretamente, adições e subtrações dada a sua simplicidade e ao mesmo tempo elevada importância e utilidade. </a:t>
+              <a:t> desenvolvimento de um assistente pedagógico, foi matemática, mais concretamente, adições e subtrações dada a sua simplicidade e ao mesmo tempo elevada importância e utilidade. </a:t>
             </a:r>
           </a:p>
         </p:txBody>
@@ -976,6 +977,210 @@
     <p:extLst>
       <p:ext uri="{BB962C8B-B14F-4D97-AF65-F5344CB8AC3E}">
         <p14:creationId xmlns:p14="http://schemas.microsoft.com/office/powerpoint/2010/main" val="1616434669"/>
+      </p:ext>
+    </p:extLst>
+  </p:cSld>
+  <p:clrMapOvr>
+    <a:masterClrMapping/>
+  </p:clrMapOvr>
+</p:notes>
+</file>
+
+<file path=ppt/notesSlides/notesSlide6.xml><?xml version="1.0" encoding="utf-8"?>
+<p:notes xmlns:a="http://schemas.openxmlformats.org/drawingml/2006/main" xmlns:r="http://schemas.openxmlformats.org/officeDocument/2006/relationships" xmlns:p="http://schemas.openxmlformats.org/presentationml/2006/main">
+  <p:cSld>
+    <p:spTree>
+      <p:nvGrpSpPr>
+        <p:cNvPr id="1" name=""/>
+        <p:cNvGrpSpPr/>
+        <p:nvPr/>
+      </p:nvGrpSpPr>
+      <p:grpSpPr>
+        <a:xfrm>
+          <a:off x="0" y="0"/>
+          <a:ext cx="0" cy="0"/>
+          <a:chOff x="0" y="0"/>
+          <a:chExt cx="0" cy="0"/>
+        </a:xfrm>
+      </p:grpSpPr>
+      <p:sp>
+        <p:nvSpPr>
+          <p:cNvPr id="2" name="Espaço Reservado para Imagem de Slide 1"/>
+          <p:cNvSpPr>
+            <a:spLocks noGrp="1" noRot="1" noChangeAspect="1"/>
+          </p:cNvSpPr>
+          <p:nvPr>
+            <p:ph type="sldImg"/>
+          </p:nvPr>
+        </p:nvSpPr>
+        <p:spPr/>
+      </p:sp>
+      <p:sp>
+        <p:nvSpPr>
+          <p:cNvPr id="3" name="Espaço Reservado para Anotações 2"/>
+          <p:cNvSpPr>
+            <a:spLocks noGrp="1"/>
+          </p:cNvSpPr>
+          <p:nvPr>
+            <p:ph type="body" idx="1"/>
+          </p:nvPr>
+        </p:nvSpPr>
+        <p:spPr/>
+        <p:txBody>
+          <a:bodyPr/>
+          <a:lstStyle/>
+          <a:p>
+            <a:r>
+              <a:rPr lang="pt-PT" dirty="0" smtClean="0"/>
+              <a:t>De</a:t>
+            </a:r>
+            <a:r>
+              <a:rPr lang="pt-PT" baseline="0" dirty="0" smtClean="0"/>
+              <a:t> modo a especificar e com isso economizar tempo e melhorar o processo de desenvolvimento foi estruturado o seguinte diagrama de Gantt que, aproximadamente, descreve todas as fases do processo atribuindo-lhes um tempo estimado, isto é o que se espera conseguir ao longo do desenvolvimento do ARIT-MAT.</a:t>
+            </a:r>
+            <a:endParaRPr lang="pt-PT" dirty="0"/>
+          </a:p>
+        </p:txBody>
+      </p:sp>
+      <p:sp>
+        <p:nvSpPr>
+          <p:cNvPr id="4" name="Espaço Reservado para Número de Slide 3"/>
+          <p:cNvSpPr>
+            <a:spLocks noGrp="1"/>
+          </p:cNvSpPr>
+          <p:nvPr>
+            <p:ph type="sldNum" sz="quarter" idx="10"/>
+          </p:nvPr>
+        </p:nvSpPr>
+        <p:spPr/>
+        <p:txBody>
+          <a:bodyPr/>
+          <a:lstStyle/>
+          <a:p>
+            <a:fld id="{B1A75EE4-BF34-4748-90F2-2EA9573BBF4F}" type="slidenum">
+              <a:rPr lang="pt-PT" smtClean="0"/>
+              <a:t>8</a:t>
+            </a:fld>
+            <a:endParaRPr lang="pt-PT"/>
+          </a:p>
+        </p:txBody>
+      </p:sp>
+    </p:spTree>
+    <p:extLst>
+      <p:ext uri="{BB962C8B-B14F-4D97-AF65-F5344CB8AC3E}">
+        <p14:creationId xmlns:p14="http://schemas.microsoft.com/office/powerpoint/2010/main" val="2882787317"/>
+      </p:ext>
+    </p:extLst>
+  </p:cSld>
+  <p:clrMapOvr>
+    <a:masterClrMapping/>
+  </p:clrMapOvr>
+</p:notes>
+</file>
+
+<file path=ppt/notesSlides/notesSlide7.xml><?xml version="1.0" encoding="utf-8"?>
+<p:notes xmlns:a="http://schemas.openxmlformats.org/drawingml/2006/main" xmlns:r="http://schemas.openxmlformats.org/officeDocument/2006/relationships" xmlns:p="http://schemas.openxmlformats.org/presentationml/2006/main">
+  <p:cSld>
+    <p:spTree>
+      <p:nvGrpSpPr>
+        <p:cNvPr id="1" name=""/>
+        <p:cNvGrpSpPr/>
+        <p:nvPr/>
+      </p:nvGrpSpPr>
+      <p:grpSpPr>
+        <a:xfrm>
+          <a:off x="0" y="0"/>
+          <a:ext cx="0" cy="0"/>
+          <a:chOff x="0" y="0"/>
+          <a:chExt cx="0" cy="0"/>
+        </a:xfrm>
+      </p:grpSpPr>
+      <p:sp>
+        <p:nvSpPr>
+          <p:cNvPr id="2" name="Espaço Reservado para Imagem de Slide 1"/>
+          <p:cNvSpPr>
+            <a:spLocks noGrp="1" noRot="1" noChangeAspect="1"/>
+          </p:cNvSpPr>
+          <p:nvPr>
+            <p:ph type="sldImg"/>
+          </p:nvPr>
+        </p:nvSpPr>
+        <p:spPr/>
+      </p:sp>
+      <p:sp>
+        <p:nvSpPr>
+          <p:cNvPr id="3" name="Espaço Reservado para Anotações 2"/>
+          <p:cNvSpPr>
+            <a:spLocks noGrp="1"/>
+          </p:cNvSpPr>
+          <p:nvPr>
+            <p:ph type="body" idx="1"/>
+          </p:nvPr>
+        </p:nvSpPr>
+        <p:spPr/>
+        <p:txBody>
+          <a:bodyPr/>
+          <a:lstStyle/>
+          <a:p>
+            <a:r>
+              <a:rPr lang="pt-PT" dirty="0" smtClean="0"/>
+              <a:t>No final desta primeira etapa temos </a:t>
+            </a:r>
+            <a:r>
+              <a:rPr lang="pt-PT" smtClean="0"/>
+              <a:t>a salientar</a:t>
+            </a:r>
+            <a:r>
+              <a:rPr lang="pt-PT" baseline="0" smtClean="0"/>
+              <a:t> as dificuldades que </a:t>
+            </a:r>
+            <a:r>
+              <a:rPr lang="pt-PT" baseline="0" dirty="0" smtClean="0"/>
+              <a:t>se prendem em 2 pontos:</a:t>
+            </a:r>
+          </a:p>
+          <a:p>
+            <a:r>
+              <a:rPr lang="pt-PT" baseline="0" dirty="0" smtClean="0"/>
+              <a:t>1º: Encontrar um tema útil e propício ou adequado a este desafio, pois foi necessário “encaixar” todo o desenvolvimento num intervalo de tempo fixo e inalterável o que não permite demasiadas funcionalidades que seriam impossíveis de implementar de forma completa e bem desenvolvida num espaço tão curto.</a:t>
+            </a:r>
+          </a:p>
+          <a:p>
+            <a:r>
+              <a:rPr lang="pt-PT" baseline="0" dirty="0" smtClean="0"/>
+              <a:t>2º:Previsão usada para construir o diagrama de Gantt, pois dada a falta de experiência e contacto leva à imprecisão dos dados expostos que foram obtidos por estimativas e “palpites” sobre o que é conhecido.</a:t>
+            </a:r>
+            <a:endParaRPr lang="pt-PT" dirty="0"/>
+          </a:p>
+        </p:txBody>
+      </p:sp>
+      <p:sp>
+        <p:nvSpPr>
+          <p:cNvPr id="4" name="Espaço Reservado para Número de Slide 3"/>
+          <p:cNvSpPr>
+            <a:spLocks noGrp="1"/>
+          </p:cNvSpPr>
+          <p:nvPr>
+            <p:ph type="sldNum" sz="quarter" idx="10"/>
+          </p:nvPr>
+        </p:nvSpPr>
+        <p:spPr/>
+        <p:txBody>
+          <a:bodyPr/>
+          <a:lstStyle/>
+          <a:p>
+            <a:fld id="{B1A75EE4-BF34-4748-90F2-2EA9573BBF4F}" type="slidenum">
+              <a:rPr lang="pt-PT" smtClean="0"/>
+              <a:t>9</a:t>
+            </a:fld>
+            <a:endParaRPr lang="pt-PT"/>
+          </a:p>
+        </p:txBody>
+      </p:sp>
+    </p:spTree>
+    <p:extLst>
+      <p:ext uri="{BB962C8B-B14F-4D97-AF65-F5344CB8AC3E}">
+        <p14:creationId xmlns:p14="http://schemas.microsoft.com/office/powerpoint/2010/main" val="3525061599"/>
       </p:ext>
     </p:extLst>
   </p:cSld>
@@ -4954,34 +5159,7 @@
                 </a:solidFill>
                 <a:latin typeface="+mj-lt"/>
               </a:rPr>
-              <a:t>25 </a:t>
-            </a:r>
-            <a:r>
-              <a:rPr lang="pt-PT" sz="2000" spc="200" dirty="0" smtClean="0">
-                <a:solidFill>
-                  <a:schemeClr val="tx2"/>
-                </a:solidFill>
-                <a:latin typeface="+mj-lt"/>
-              </a:rPr>
-              <a:t>de </a:t>
-            </a:r>
-            <a:r>
-              <a:rPr lang="pt-PT" sz="2000" spc="200" dirty="0" smtClean="0">
-                <a:solidFill>
-                  <a:schemeClr val="tx2"/>
-                </a:solidFill>
-                <a:latin typeface="+mj-lt"/>
-              </a:rPr>
-              <a:t>Março </a:t>
-            </a:r>
-            <a:r>
-              <a:rPr lang="pt-PT" sz="2000" spc="200" dirty="0" smtClean="0">
-                <a:solidFill>
-                  <a:schemeClr val="tx2"/>
-                </a:solidFill>
-                <a:latin typeface="+mj-lt"/>
-              </a:rPr>
-              <a:t>de 2015</a:t>
+              <a:t>25 de Março de 2015</a:t>
             </a:r>
             <a:endParaRPr lang="pt-PT" sz="2000" spc="200" dirty="0">
               <a:solidFill>
@@ -5310,34 +5488,7 @@
                 </a:solidFill>
                 <a:latin typeface="+mj-lt"/>
               </a:rPr>
-              <a:t>25 </a:t>
-            </a:r>
-            <a:r>
-              <a:rPr lang="pt-PT" sz="2000" spc="200" dirty="0" smtClean="0">
-                <a:solidFill>
-                  <a:schemeClr val="tx2"/>
-                </a:solidFill>
-                <a:latin typeface="+mj-lt"/>
-              </a:rPr>
-              <a:t>de </a:t>
-            </a:r>
-            <a:r>
-              <a:rPr lang="pt-PT" sz="2000" spc="200" dirty="0" smtClean="0">
-                <a:solidFill>
-                  <a:schemeClr val="tx2"/>
-                </a:solidFill>
-                <a:latin typeface="+mj-lt"/>
-              </a:rPr>
-              <a:t>Março </a:t>
-            </a:r>
-            <a:r>
-              <a:rPr lang="pt-PT" sz="2000" spc="200" dirty="0" smtClean="0">
-                <a:solidFill>
-                  <a:schemeClr val="tx2"/>
-                </a:solidFill>
-                <a:latin typeface="+mj-lt"/>
-              </a:rPr>
-              <a:t>de 2015</a:t>
+              <a:t>25 de Março de 2015</a:t>
             </a:r>
             <a:endParaRPr lang="pt-PT" sz="2000" spc="200" dirty="0">
               <a:solidFill>
@@ -7648,6 +7799,122 @@
           <a:bodyPr/>
           <a:lstStyle/>
           <a:p>
+            <a:pPr marL="342900" lvl="1" indent="-342900">
+              <a:spcBef>
+                <a:spcPts val="1200"/>
+              </a:spcBef>
+              <a:spcAft>
+                <a:spcPts val="200"/>
+              </a:spcAft>
+              <a:buSzPct val="100000"/>
+              <a:buFont typeface="Arial" panose="020B0604020202020204" pitchFamily="34" charset="0"/>
+              <a:buChar char="•"/>
+            </a:pPr>
+            <a:endParaRPr lang="pt-PT" sz="2400" dirty="0" smtClean="0"/>
+          </a:p>
+          <a:p>
+            <a:pPr marL="342900" lvl="1" indent="-342900">
+              <a:spcBef>
+                <a:spcPts val="1200"/>
+              </a:spcBef>
+              <a:spcAft>
+                <a:spcPts val="200"/>
+              </a:spcAft>
+              <a:buSzPct val="100000"/>
+              <a:buFont typeface="Arial" panose="020B0604020202020204" pitchFamily="34" charset="0"/>
+              <a:buChar char="•"/>
+            </a:pPr>
+            <a:endParaRPr lang="pt-PT" sz="2400" dirty="0"/>
+          </a:p>
+          <a:p>
+            <a:pPr marL="342900" lvl="1" indent="-342900">
+              <a:spcBef>
+                <a:spcPts val="1200"/>
+              </a:spcBef>
+              <a:spcAft>
+                <a:spcPts val="200"/>
+              </a:spcAft>
+              <a:buSzPct val="100000"/>
+              <a:buFont typeface="Arial" panose="020B0604020202020204" pitchFamily="34" charset="0"/>
+              <a:buChar char="•"/>
+            </a:pPr>
+            <a:r>
+              <a:rPr lang="pt-PT" sz="2400" dirty="0" smtClean="0"/>
+              <a:t>Dificuldades</a:t>
+            </a:r>
+            <a:r>
+              <a:rPr lang="pt-PT" sz="2400" dirty="0"/>
+              <a:t>:</a:t>
+            </a:r>
+          </a:p>
+          <a:p>
+            <a:pPr marL="525780" lvl="2" indent="-342900">
+              <a:spcBef>
+                <a:spcPts val="1200"/>
+              </a:spcBef>
+              <a:spcAft>
+                <a:spcPts val="200"/>
+              </a:spcAft>
+              <a:buSzPct val="100000"/>
+              <a:buFont typeface="Arial" panose="020B0604020202020204" pitchFamily="34" charset="0"/>
+              <a:buChar char="•"/>
+            </a:pPr>
+            <a:r>
+              <a:rPr lang="pt-PT" sz="2400" dirty="0"/>
+              <a:t>Encontrar um tema útil e </a:t>
+            </a:r>
+            <a:r>
+              <a:rPr lang="pt-PT" sz="2400" dirty="0" smtClean="0"/>
+              <a:t>propício/adequado</a:t>
+            </a:r>
+            <a:endParaRPr lang="pt-PT" sz="2400" dirty="0"/>
+          </a:p>
+          <a:p>
+            <a:pPr marL="525780" lvl="2" indent="-342900">
+              <a:spcBef>
+                <a:spcPts val="1200"/>
+              </a:spcBef>
+              <a:spcAft>
+                <a:spcPts val="200"/>
+              </a:spcAft>
+              <a:buSzPct val="100000"/>
+              <a:buFont typeface="Arial" panose="020B0604020202020204" pitchFamily="34" charset="0"/>
+              <a:buChar char="•"/>
+            </a:pPr>
+            <a:r>
+              <a:rPr lang="pt-PT" sz="2400" dirty="0"/>
+              <a:t>Previsão </a:t>
+            </a:r>
+            <a:endParaRPr lang="pt-PT" sz="2400" dirty="0" smtClean="0"/>
+          </a:p>
+          <a:p>
+            <a:pPr marL="525780" lvl="2" indent="-342900">
+              <a:spcBef>
+                <a:spcPts val="1200"/>
+              </a:spcBef>
+              <a:spcAft>
+                <a:spcPts val="200"/>
+              </a:spcAft>
+              <a:buSzPct val="100000"/>
+              <a:buFont typeface="Arial" panose="020B0604020202020204" pitchFamily="34" charset="0"/>
+              <a:buChar char="•"/>
+            </a:pPr>
+            <a:endParaRPr lang="pt-PT" sz="2400" dirty="0"/>
+          </a:p>
+          <a:p>
+            <a:pPr marL="182880" lvl="2" indent="0">
+              <a:spcBef>
+                <a:spcPts val="1200"/>
+              </a:spcBef>
+              <a:spcAft>
+                <a:spcPts val="200"/>
+              </a:spcAft>
+              <a:buSzPct val="100000"/>
+              <a:buNone/>
+            </a:pPr>
+            <a:endParaRPr lang="pt-PT" sz="2400" dirty="0"/>
+          </a:p>
+          <a:p>
             <a:endParaRPr lang="pt-PT" dirty="0"/>
           </a:p>
         </p:txBody>

--- a/Apresentação/ARIT-MAT.pptx
+++ b/Apresentação/ARIT-MAT.pptx
@@ -206,7 +206,7 @@
           <a:p>
             <a:fld id="{0B90278E-799F-4B6A-A9E6-A20EE15BC085}" type="datetimeFigureOut">
               <a:rPr lang="pt-PT" smtClean="0"/>
-              <a:t>23/03/2015</a:t>
+              <a:t>24/03/2015</a:t>
             </a:fld>
             <a:endParaRPr lang="pt-PT"/>
           </a:p>
@@ -1416,7 +1416,7 @@
           <a:p>
             <a:fld id="{D7E719D6-CD3B-4527-83F8-F2BE83785134}" type="datetime1">
               <a:rPr lang="pt-PT" smtClean="0"/>
-              <a:t>23/03/2015</a:t>
+              <a:t>24/03/2015</a:t>
             </a:fld>
             <a:endParaRPr lang="pt-PT"/>
           </a:p>
@@ -1628,7 +1628,7 @@
           <a:p>
             <a:fld id="{F1BF6B55-0FCD-425C-A105-B7D8849183EB}" type="datetime1">
               <a:rPr lang="pt-PT" smtClean="0"/>
-              <a:t>23/03/2015</a:t>
+              <a:t>24/03/2015</a:t>
             </a:fld>
             <a:endParaRPr lang="pt-PT"/>
           </a:p>
@@ -1888,7 +1888,7 @@
           <a:p>
             <a:fld id="{0AB8FFC0-3479-459D-B28A-846B7A24A85D}" type="datetime1">
               <a:rPr lang="pt-PT" smtClean="0"/>
-              <a:t>23/03/2015</a:t>
+              <a:t>24/03/2015</a:t>
             </a:fld>
             <a:endParaRPr lang="pt-PT"/>
           </a:p>
@@ -2066,7 +2066,7 @@
           <a:p>
             <a:fld id="{0B072AEF-6281-4E43-87FC-E090F028272C}" type="datetime1">
               <a:rPr lang="pt-PT" smtClean="0"/>
-              <a:t>23/03/2015</a:t>
+              <a:t>24/03/2015</a:t>
             </a:fld>
             <a:endParaRPr lang="pt-PT"/>
           </a:p>
@@ -2413,7 +2413,7 @@
           <a:p>
             <a:fld id="{29E883B4-C76B-41AC-BDA7-343A411F3379}" type="datetime1">
               <a:rPr lang="pt-PT" smtClean="0"/>
-              <a:t>23/03/2015</a:t>
+              <a:t>24/03/2015</a:t>
             </a:fld>
             <a:endParaRPr lang="pt-PT"/>
           </a:p>
@@ -2692,7 +2692,7 @@
           <a:p>
             <a:fld id="{E2FE80C8-0479-4612-88A0-EC4A9186158A}" type="datetime1">
               <a:rPr lang="pt-PT" smtClean="0"/>
-              <a:t>23/03/2015</a:t>
+              <a:t>24/03/2015</a:t>
             </a:fld>
             <a:endParaRPr lang="pt-PT"/>
           </a:p>
@@ -3075,7 +3075,7 @@
           <a:p>
             <a:fld id="{81318A52-6191-4BF2-B6FD-9AE6D26BDCA9}" type="datetime1">
               <a:rPr lang="pt-PT" smtClean="0"/>
-              <a:t>23/03/2015</a:t>
+              <a:t>24/03/2015</a:t>
             </a:fld>
             <a:endParaRPr lang="pt-PT"/>
           </a:p>
@@ -3197,7 +3197,7 @@
           <a:p>
             <a:fld id="{CF122FC7-ACAF-4893-97AB-F19D090B17C4}" type="datetime1">
               <a:rPr lang="pt-PT" smtClean="0"/>
-              <a:t>23/03/2015</a:t>
+              <a:t>24/03/2015</a:t>
             </a:fld>
             <a:endParaRPr lang="pt-PT"/>
           </a:p>
@@ -3372,7 +3372,7 @@
           <a:p>
             <a:fld id="{27BCCEB8-B3DC-48A8-84F9-B01C15A16155}" type="datetime1">
               <a:rPr lang="pt-PT" smtClean="0"/>
-              <a:t>23/03/2015</a:t>
+              <a:t>24/03/2015</a:t>
             </a:fld>
             <a:endParaRPr lang="pt-PT"/>
           </a:p>
@@ -3730,7 +3730,7 @@
           <a:p>
             <a:fld id="{15EC2DC2-EB76-46D6-8C3F-A92F7DE3E14F}" type="datetime1">
               <a:rPr lang="pt-PT" smtClean="0"/>
-              <a:t>23/03/2015</a:t>
+              <a:t>24/03/2015</a:t>
             </a:fld>
             <a:endParaRPr lang="pt-PT"/>
           </a:p>
@@ -4116,7 +4116,7 @@
           <a:p>
             <a:fld id="{0479D574-0A17-4206-B4DA-2627B96CEB71}" type="datetime1">
               <a:rPr lang="pt-PT" smtClean="0"/>
-              <a:t>23/03/2015</a:t>
+              <a:t>24/03/2015</a:t>
             </a:fld>
             <a:endParaRPr lang="pt-PT"/>
           </a:p>
@@ -4407,7 +4407,7 @@
           <a:p>
             <a:fld id="{BAEA6BC3-B633-4FA3-AA5D-17804E4DF278}" type="datetime1">
               <a:rPr lang="pt-PT" smtClean="0"/>
-              <a:t>23/03/2015</a:t>
+              <a:t>24/03/2015</a:t>
             </a:fld>
             <a:endParaRPr lang="pt-PT"/>
           </a:p>
@@ -5574,6 +5574,13 @@
   <p:clrMapOvr>
     <a:masterClrMapping/>
   </p:clrMapOvr>
+  <p:timing>
+    <p:tnLst>
+      <p:par>
+        <p:cTn id="1" dur="indefinite" restart="never" nodeType="tmRoot"/>
+      </p:par>
+    </p:tnLst>
+  </p:timing>
 </p:sld>
 </file>
 
@@ -7656,25 +7663,6 @@
       </p:sp>
       <p:sp>
         <p:nvSpPr>
-          <p:cNvPr id="3" name="Espaço Reservado para Conteúdo 2"/>
-          <p:cNvSpPr>
-            <a:spLocks noGrp="1"/>
-          </p:cNvSpPr>
-          <p:nvPr>
-            <p:ph idx="1"/>
-          </p:nvPr>
-        </p:nvSpPr>
-        <p:spPr/>
-        <p:txBody>
-          <a:bodyPr/>
-          <a:lstStyle/>
-          <a:p>
-            <a:endParaRPr lang="pt-PT" dirty="0"/>
-          </a:p>
-        </p:txBody>
-      </p:sp>
-      <p:sp>
-        <p:nvSpPr>
           <p:cNvPr id="4" name="Espaço Reservado para Rodapé 3"/>
           <p:cNvSpPr>
             <a:spLocks noGrp="1"/>
@@ -7724,6 +7712,54 @@
           </a:p>
         </p:txBody>
       </p:sp>
+      <p:pic>
+        <p:nvPicPr>
+          <p:cNvPr id="8" name="Imagem 7"/>
+          <p:cNvPicPr>
+            <a:picLocks noChangeAspect="1"/>
+          </p:cNvPicPr>
+          <p:nvPr/>
+        </p:nvPicPr>
+        <p:blipFill>
+          <a:blip r:embed="rId3"/>
+          <a:stretch>
+            <a:fillRect/>
+          </a:stretch>
+        </p:blipFill>
+        <p:spPr>
+          <a:xfrm>
+            <a:off x="1249681" y="1950605"/>
+            <a:ext cx="4331970" cy="4064800"/>
+          </a:xfrm>
+          <a:prstGeom prst="rect">
+            <a:avLst/>
+          </a:prstGeom>
+        </p:spPr>
+      </p:pic>
+      <p:pic>
+        <p:nvPicPr>
+          <p:cNvPr id="9" name="Imagem 8"/>
+          <p:cNvPicPr>
+            <a:picLocks noChangeAspect="1"/>
+          </p:cNvPicPr>
+          <p:nvPr/>
+        </p:nvPicPr>
+        <p:blipFill>
+          <a:blip r:embed="rId4"/>
+          <a:stretch>
+            <a:fillRect/>
+          </a:stretch>
+        </p:blipFill>
+        <p:spPr>
+          <a:xfrm>
+            <a:off x="5667614" y="1950605"/>
+            <a:ext cx="5441306" cy="4064800"/>
+          </a:xfrm>
+          <a:prstGeom prst="rect">
+            <a:avLst/>
+          </a:prstGeom>
+        </p:spPr>
+      </p:pic>
     </p:spTree>
     <p:extLst>
       <p:ext uri="{BB962C8B-B14F-4D97-AF65-F5344CB8AC3E}">
